--- a/Diagrams.pptx
+++ b/Diagrams.pptx
@@ -3104,7 +3104,7 @@
         </p:nvSpPr>
         <p:spPr>
           <a:xfrm>
-            <a:off x="491872" y="4447401"/>
+            <a:off x="491872" y="4828362"/>
             <a:ext cx="422527" cy="276999"/>
           </a:xfrm>
           <a:prstGeom prst="rect">
@@ -3149,7 +3149,7 @@
         </p:nvGrpSpPr>
         <p:grpSpPr>
           <a:xfrm>
-            <a:off x="491872" y="304800"/>
+            <a:off x="491872" y="685761"/>
             <a:ext cx="3394328" cy="6014721"/>
             <a:chOff x="339472" y="309879"/>
             <a:chExt cx="3394328" cy="6014721"/>
@@ -4695,7 +4695,7 @@
         </p:nvSpPr>
         <p:spPr>
           <a:xfrm>
-            <a:off x="304800" y="152400"/>
+            <a:off x="304800" y="533361"/>
             <a:ext cx="3581400" cy="6319521"/>
           </a:xfrm>
           <a:prstGeom prst="rect">
@@ -4734,7 +4734,7 @@
         </p:nvSpPr>
         <p:spPr>
           <a:xfrm>
-            <a:off x="7590113" y="4391727"/>
+            <a:off x="7590113" y="4772688"/>
             <a:ext cx="573734" cy="276999"/>
           </a:xfrm>
           <a:prstGeom prst="rect">
@@ -4779,7 +4779,7 @@
         </p:nvSpPr>
         <p:spPr>
           <a:xfrm>
-            <a:off x="6464851" y="599143"/>
+            <a:off x="6464851" y="980104"/>
             <a:ext cx="685800" cy="609600"/>
           </a:xfrm>
           <a:prstGeom prst="rect">
@@ -4817,7 +4817,7 @@
         </p:nvSpPr>
         <p:spPr>
           <a:xfrm>
-            <a:off x="6464851" y="1178036"/>
+            <a:off x="6464851" y="1558997"/>
             <a:ext cx="685800" cy="304800"/>
           </a:xfrm>
           <a:prstGeom prst="rect">
@@ -4855,7 +4855,7 @@
         </p:nvSpPr>
         <p:spPr>
           <a:xfrm>
-            <a:off x="6464851" y="1482836"/>
+            <a:off x="6464851" y="1863797"/>
             <a:ext cx="685800" cy="304800"/>
           </a:xfrm>
           <a:prstGeom prst="rect">
@@ -4893,7 +4893,7 @@
         </p:nvSpPr>
         <p:spPr>
           <a:xfrm>
-            <a:off x="6724158" y="1787636"/>
+            <a:off x="6724158" y="2168597"/>
             <a:ext cx="209550" cy="1478507"/>
           </a:xfrm>
           <a:prstGeom prst="rect">
@@ -4931,7 +4931,7 @@
         </p:nvSpPr>
         <p:spPr>
           <a:xfrm>
-            <a:off x="6387365" y="3266143"/>
+            <a:off x="6387365" y="3647104"/>
             <a:ext cx="285750" cy="2133600"/>
           </a:xfrm>
           <a:prstGeom prst="rect">
@@ -4969,7 +4969,7 @@
         </p:nvSpPr>
         <p:spPr>
           <a:xfrm>
-            <a:off x="6680908" y="4866343"/>
+            <a:off x="6680908" y="5247304"/>
             <a:ext cx="298971" cy="533400"/>
           </a:xfrm>
           <a:prstGeom prst="rect">
@@ -5007,7 +5007,7 @@
         </p:nvSpPr>
         <p:spPr>
           <a:xfrm>
-            <a:off x="6487493" y="5399743"/>
+            <a:off x="6487493" y="5780704"/>
             <a:ext cx="685800" cy="304800"/>
           </a:xfrm>
           <a:prstGeom prst="rect">
@@ -5045,7 +5045,7 @@
         </p:nvSpPr>
         <p:spPr>
           <a:xfrm>
-            <a:off x="6006198" y="5704543"/>
+            <a:off x="6006198" y="6085504"/>
             <a:ext cx="1752599" cy="304800"/>
           </a:xfrm>
           <a:prstGeom prst="rect">
@@ -5083,7 +5083,7 @@
         </p:nvSpPr>
         <p:spPr>
           <a:xfrm>
-            <a:off x="6367654" y="291296"/>
+            <a:off x="6367654" y="672257"/>
             <a:ext cx="566054" cy="276999"/>
           </a:xfrm>
           <a:prstGeom prst="rect">
@@ -5128,7 +5128,7 @@
         </p:nvSpPr>
         <p:spPr>
           <a:xfrm>
-            <a:off x="8246103" y="1552847"/>
+            <a:off x="8246103" y="1933808"/>
             <a:ext cx="510652" cy="276999"/>
           </a:xfrm>
           <a:prstGeom prst="rect">
@@ -5173,7 +5173,7 @@
         </p:nvSpPr>
         <p:spPr>
           <a:xfrm>
-            <a:off x="5763194" y="1233497"/>
+            <a:off x="5763194" y="1614458"/>
             <a:ext cx="549256" cy="276999"/>
           </a:xfrm>
           <a:prstGeom prst="rect">
@@ -5218,7 +5218,7 @@
         </p:nvSpPr>
         <p:spPr>
           <a:xfrm>
-            <a:off x="5420755" y="5029201"/>
+            <a:off x="5420755" y="5410162"/>
             <a:ext cx="584126" cy="276999"/>
           </a:xfrm>
           <a:prstGeom prst="rect">
@@ -5263,7 +5263,7 @@
         </p:nvGrpSpPr>
         <p:grpSpPr>
           <a:xfrm>
-            <a:off x="6587703" y="2900016"/>
+            <a:off x="6587703" y="3280977"/>
             <a:ext cx="1506001" cy="1263650"/>
             <a:chOff x="1265852" y="2681873"/>
             <a:chExt cx="1506001" cy="1263650"/>
@@ -5504,7 +5504,7 @@
         </p:nvSpPr>
         <p:spPr>
           <a:xfrm>
-            <a:off x="6569941" y="4669693"/>
+            <a:off x="6569941" y="5050654"/>
             <a:ext cx="1576255" cy="786522"/>
           </a:xfrm>
           <a:prstGeom prst="rect">
@@ -5543,7 +5543,7 @@
         </p:nvSpPr>
         <p:spPr>
           <a:xfrm>
-            <a:off x="6976923" y="5029200"/>
+            <a:off x="6976923" y="5410161"/>
             <a:ext cx="719277" cy="338554"/>
           </a:xfrm>
           <a:prstGeom prst="rect">
@@ -5573,7 +5573,7 @@
         </p:nvSpPr>
         <p:spPr>
           <a:xfrm rot="10800000">
-            <a:off x="7593350" y="4967953"/>
+            <a:off x="7593350" y="5348914"/>
             <a:ext cx="338556" cy="330180"/>
           </a:xfrm>
           <a:prstGeom prst="bentArrow">
@@ -5617,7 +5617,7 @@
         </p:nvSpPr>
         <p:spPr>
           <a:xfrm>
-            <a:off x="7286293" y="4715799"/>
+            <a:off x="7286293" y="5096760"/>
             <a:ext cx="719277" cy="338554"/>
           </a:xfrm>
           <a:prstGeom prst="rect">
@@ -5647,7 +5647,7 @@
         </p:nvSpPr>
         <p:spPr>
           <a:xfrm>
-            <a:off x="5410200" y="5330982"/>
+            <a:off x="5410200" y="5711943"/>
             <a:ext cx="2459728" cy="975035"/>
           </a:xfrm>
           <a:prstGeom prst="rect">
@@ -5686,7 +5686,7 @@
         </p:nvSpPr>
         <p:spPr>
           <a:xfrm>
-            <a:off x="5334000" y="5452646"/>
+            <a:off x="5334000" y="5833607"/>
             <a:ext cx="719277" cy="338554"/>
           </a:xfrm>
           <a:prstGeom prst="rect">
@@ -5716,7 +5716,7 @@
         </p:nvSpPr>
         <p:spPr>
           <a:xfrm>
-            <a:off x="5910123" y="5452646"/>
+            <a:off x="5910123" y="5833607"/>
             <a:ext cx="719277" cy="338554"/>
           </a:xfrm>
           <a:prstGeom prst="rect">
@@ -5746,7 +5746,7 @@
         </p:nvSpPr>
         <p:spPr>
           <a:xfrm>
-            <a:off x="6172200" y="5967463"/>
+            <a:off x="6172200" y="6348424"/>
             <a:ext cx="719277" cy="338554"/>
           </a:xfrm>
           <a:prstGeom prst="rect">
@@ -5776,7 +5776,7 @@
         </p:nvSpPr>
         <p:spPr>
           <a:xfrm rot="10800000">
-            <a:off x="6162285" y="1274317"/>
+            <a:off x="6162285" y="1655278"/>
             <a:ext cx="1333295" cy="1234168"/>
           </a:xfrm>
           <a:prstGeom prst="circularArrow">
@@ -5820,7 +5820,7 @@
         </p:nvSpPr>
         <p:spPr>
           <a:xfrm>
-            <a:off x="5763193" y="1526593"/>
+            <a:off x="5763193" y="1907554"/>
             <a:ext cx="1926761" cy="1169573"/>
           </a:xfrm>
           <a:prstGeom prst="rect">
@@ -5859,7 +5859,7 @@
         </p:nvSpPr>
         <p:spPr>
           <a:xfrm>
-            <a:off x="5736192" y="1552847"/>
+            <a:off x="5736192" y="1933808"/>
             <a:ext cx="719277" cy="338554"/>
           </a:xfrm>
           <a:prstGeom prst="rect">
@@ -5889,7 +5889,7 @@
         </p:nvSpPr>
         <p:spPr>
           <a:xfrm>
-            <a:off x="7053123" y="1552847"/>
+            <a:off x="7053123" y="1933808"/>
             <a:ext cx="719277" cy="338554"/>
           </a:xfrm>
           <a:prstGeom prst="rect">
@@ -5919,7 +5919,7 @@
         </p:nvSpPr>
         <p:spPr>
           <a:xfrm>
-            <a:off x="6004881" y="2378267"/>
+            <a:off x="6004881" y="2759228"/>
             <a:ext cx="719277" cy="338554"/>
           </a:xfrm>
           <a:prstGeom prst="rect">
@@ -5949,7 +5949,7 @@
         </p:nvSpPr>
         <p:spPr>
           <a:xfrm>
-            <a:off x="6356404" y="1129615"/>
+            <a:off x="6356404" y="1510576"/>
             <a:ext cx="2400351" cy="396978"/>
           </a:xfrm>
           <a:prstGeom prst="rect">
@@ -5988,7 +5988,7 @@
         </p:nvSpPr>
         <p:spPr>
           <a:xfrm rot="10800000">
-            <a:off x="7714190" y="1250876"/>
+            <a:off x="7714190" y="1631837"/>
             <a:ext cx="433459" cy="181669"/>
           </a:xfrm>
           <a:prstGeom prst="curvedDownArrow">
@@ -6032,7 +6032,7 @@
         </p:nvSpPr>
         <p:spPr>
           <a:xfrm>
-            <a:off x="8093058" y="1144282"/>
+            <a:off x="8093058" y="1525243"/>
             <a:ext cx="821926" cy="338554"/>
           </a:xfrm>
           <a:prstGeom prst="rect">
@@ -6062,7 +6062,7 @@
         </p:nvSpPr>
         <p:spPr>
           <a:xfrm>
-            <a:off x="7114966" y="1161159"/>
+            <a:off x="7114966" y="1542120"/>
             <a:ext cx="719277" cy="338554"/>
           </a:xfrm>
           <a:prstGeom prst="rect">
@@ -6092,7 +6092,7 @@
         </p:nvSpPr>
         <p:spPr>
           <a:xfrm rot="10800000">
-            <a:off x="5181601" y="1861747"/>
+            <a:off x="5181601" y="2242708"/>
             <a:ext cx="492443" cy="2938071"/>
           </a:xfrm>
           <a:prstGeom prst="rect">
@@ -6122,7 +6122,7 @@
         </p:nvSpPr>
         <p:spPr>
           <a:xfrm>
-            <a:off x="6375086" y="599143"/>
+            <a:off x="6375086" y="980104"/>
             <a:ext cx="1923575" cy="530472"/>
           </a:xfrm>
           <a:prstGeom prst="rect">
@@ -6161,7 +6161,7 @@
         </p:nvSpPr>
         <p:spPr>
           <a:xfrm>
-            <a:off x="7834242" y="739866"/>
+            <a:off x="7834242" y="1120827"/>
             <a:ext cx="280283" cy="303833"/>
           </a:xfrm>
           <a:prstGeom prst="curvedLeftArrow">
@@ -6205,7 +6205,7 @@
         </p:nvSpPr>
         <p:spPr>
           <a:xfrm>
-            <a:off x="7164298" y="570589"/>
+            <a:off x="7164298" y="951550"/>
             <a:ext cx="821926" cy="338554"/>
           </a:xfrm>
           <a:prstGeom prst="rect">
@@ -6235,7 +6235,7 @@
         </p:nvSpPr>
         <p:spPr>
           <a:xfrm>
-            <a:off x="7179149" y="791061"/>
+            <a:off x="7179149" y="1172022"/>
             <a:ext cx="821926" cy="338554"/>
           </a:xfrm>
           <a:prstGeom prst="rect">
@@ -6265,7 +6265,7 @@
         </p:nvSpPr>
         <p:spPr>
           <a:xfrm>
-            <a:off x="5181600" y="157518"/>
+            <a:off x="5181600" y="538479"/>
             <a:ext cx="3715772" cy="6319521"/>
           </a:xfrm>
           <a:prstGeom prst="rect">
@@ -6304,7 +6304,7 @@
         </p:nvSpPr>
         <p:spPr>
           <a:xfrm>
-            <a:off x="5638800" y="5811388"/>
+            <a:off x="5638800" y="6192349"/>
             <a:ext cx="673650" cy="360812"/>
           </a:xfrm>
           <a:prstGeom prst="curvedUpArrow">
@@ -6337,6 +6337,96 @@
                 <a:schemeClr val="tx1"/>
               </a:solidFill>
             </a:endParaRPr>
+          </a:p>
+        </p:txBody>
+      </p:sp>
+      <p:sp>
+        <p:nvSpPr>
+          <p:cNvPr id="91" name="TextBox 90"/>
+          <p:cNvSpPr txBox="1"/>
+          <p:nvPr/>
+        </p:nvSpPr>
+        <p:spPr>
+          <a:xfrm rot="16200000">
+            <a:off x="1861781" y="-1510965"/>
+            <a:ext cx="461665" cy="3587180"/>
+          </a:xfrm>
+          <a:prstGeom prst="rect">
+            <a:avLst/>
+          </a:prstGeom>
+        </p:spPr>
+        <p:style>
+          <a:lnRef idx="2">
+            <a:schemeClr val="dk1">
+              <a:shade val="50000"/>
+            </a:schemeClr>
+          </a:lnRef>
+          <a:fillRef idx="1">
+            <a:schemeClr val="dk1"/>
+          </a:fillRef>
+          <a:effectRef idx="0">
+            <a:schemeClr val="dk1"/>
+          </a:effectRef>
+          <a:fontRef idx="minor">
+            <a:schemeClr val="lt1"/>
+          </a:fontRef>
+        </p:style>
+        <p:txBody>
+          <a:bodyPr vert="eaVert" wrap="square" rtlCol="0">
+            <a:spAutoFit/>
+          </a:bodyPr>
+          <a:lstStyle/>
+          <a:p>
+            <a:r>
+              <a:rPr lang="en-US" dirty="0" smtClean="0"/>
+              <a:t>Right Leg Right Side View</a:t>
+            </a:r>
+            <a:endParaRPr lang="en-US" dirty="0"/>
+          </a:p>
+        </p:txBody>
+      </p:sp>
+      <p:sp>
+        <p:nvSpPr>
+          <p:cNvPr id="92" name="TextBox 91"/>
+          <p:cNvSpPr txBox="1"/>
+          <p:nvPr/>
+        </p:nvSpPr>
+        <p:spPr>
+          <a:xfrm rot="16200000">
+            <a:off x="6812382" y="-1551632"/>
+            <a:ext cx="461665" cy="3708318"/>
+          </a:xfrm>
+          <a:prstGeom prst="rect">
+            <a:avLst/>
+          </a:prstGeom>
+        </p:spPr>
+        <p:style>
+          <a:lnRef idx="2">
+            <a:schemeClr val="dk1">
+              <a:shade val="50000"/>
+            </a:schemeClr>
+          </a:lnRef>
+          <a:fillRef idx="1">
+            <a:schemeClr val="dk1"/>
+          </a:fillRef>
+          <a:effectRef idx="0">
+            <a:schemeClr val="dk1"/>
+          </a:effectRef>
+          <a:fontRef idx="minor">
+            <a:schemeClr val="lt1"/>
+          </a:fontRef>
+        </p:style>
+        <p:txBody>
+          <a:bodyPr vert="eaVert" wrap="square" rtlCol="0">
+            <a:spAutoFit/>
+          </a:bodyPr>
+          <a:lstStyle/>
+          <a:p>
+            <a:r>
+              <a:rPr lang="en-US" dirty="0" smtClean="0"/>
+              <a:t>Left Leg Left Side View</a:t>
+            </a:r>
+            <a:endParaRPr lang="en-US" dirty="0"/>
           </a:p>
         </p:txBody>
       </p:sp>
